--- a/resource/메뉴제작.pptx
+++ b/resource/메뉴제작.pptx
@@ -261,7 +261,7 @@
           <a:p>
             <a:fld id="{8529C246-2C7F-4027-B8FF-0134CF9D6F13}" type="datetimeFigureOut">
               <a:rPr lang="ko-KR" altLang="en-US" smtClean="0"/>
-              <a:t>2023-11-16</a:t>
+              <a:t>2023-11-30</a:t>
             </a:fld>
             <a:endParaRPr lang="ko-KR" altLang="en-US"/>
           </a:p>
@@ -459,7 +459,7 @@
           <a:p>
             <a:fld id="{8529C246-2C7F-4027-B8FF-0134CF9D6F13}" type="datetimeFigureOut">
               <a:rPr lang="ko-KR" altLang="en-US" smtClean="0"/>
-              <a:t>2023-11-16</a:t>
+              <a:t>2023-11-30</a:t>
             </a:fld>
             <a:endParaRPr lang="ko-KR" altLang="en-US"/>
           </a:p>
@@ -667,7 +667,7 @@
           <a:p>
             <a:fld id="{8529C246-2C7F-4027-B8FF-0134CF9D6F13}" type="datetimeFigureOut">
               <a:rPr lang="ko-KR" altLang="en-US" smtClean="0"/>
-              <a:t>2023-11-16</a:t>
+              <a:t>2023-11-30</a:t>
             </a:fld>
             <a:endParaRPr lang="ko-KR" altLang="en-US"/>
           </a:p>
@@ -865,7 +865,7 @@
           <a:p>
             <a:fld id="{8529C246-2C7F-4027-B8FF-0134CF9D6F13}" type="datetimeFigureOut">
               <a:rPr lang="ko-KR" altLang="en-US" smtClean="0"/>
-              <a:t>2023-11-16</a:t>
+              <a:t>2023-11-30</a:t>
             </a:fld>
             <a:endParaRPr lang="ko-KR" altLang="en-US"/>
           </a:p>
@@ -1140,7 +1140,7 @@
           <a:p>
             <a:fld id="{8529C246-2C7F-4027-B8FF-0134CF9D6F13}" type="datetimeFigureOut">
               <a:rPr lang="ko-KR" altLang="en-US" smtClean="0"/>
-              <a:t>2023-11-16</a:t>
+              <a:t>2023-11-30</a:t>
             </a:fld>
             <a:endParaRPr lang="ko-KR" altLang="en-US"/>
           </a:p>
@@ -1405,7 +1405,7 @@
           <a:p>
             <a:fld id="{8529C246-2C7F-4027-B8FF-0134CF9D6F13}" type="datetimeFigureOut">
               <a:rPr lang="ko-KR" altLang="en-US" smtClean="0"/>
-              <a:t>2023-11-16</a:t>
+              <a:t>2023-11-30</a:t>
             </a:fld>
             <a:endParaRPr lang="ko-KR" altLang="en-US"/>
           </a:p>
@@ -1817,7 +1817,7 @@
           <a:p>
             <a:fld id="{8529C246-2C7F-4027-B8FF-0134CF9D6F13}" type="datetimeFigureOut">
               <a:rPr lang="ko-KR" altLang="en-US" smtClean="0"/>
-              <a:t>2023-11-16</a:t>
+              <a:t>2023-11-30</a:t>
             </a:fld>
             <a:endParaRPr lang="ko-KR" altLang="en-US"/>
           </a:p>
@@ -1958,7 +1958,7 @@
           <a:p>
             <a:fld id="{8529C246-2C7F-4027-B8FF-0134CF9D6F13}" type="datetimeFigureOut">
               <a:rPr lang="ko-KR" altLang="en-US" smtClean="0"/>
-              <a:t>2023-11-16</a:t>
+              <a:t>2023-11-30</a:t>
             </a:fld>
             <a:endParaRPr lang="ko-KR" altLang="en-US"/>
           </a:p>
@@ -2071,7 +2071,7 @@
           <a:p>
             <a:fld id="{8529C246-2C7F-4027-B8FF-0134CF9D6F13}" type="datetimeFigureOut">
               <a:rPr lang="ko-KR" altLang="en-US" smtClean="0"/>
-              <a:t>2023-11-16</a:t>
+              <a:t>2023-11-30</a:t>
             </a:fld>
             <a:endParaRPr lang="ko-KR" altLang="en-US"/>
           </a:p>
@@ -2382,7 +2382,7 @@
           <a:p>
             <a:fld id="{8529C246-2C7F-4027-B8FF-0134CF9D6F13}" type="datetimeFigureOut">
               <a:rPr lang="ko-KR" altLang="en-US" smtClean="0"/>
-              <a:t>2023-11-16</a:t>
+              <a:t>2023-11-30</a:t>
             </a:fld>
             <a:endParaRPr lang="ko-KR" altLang="en-US"/>
           </a:p>
@@ -2670,7 +2670,7 @@
           <a:p>
             <a:fld id="{8529C246-2C7F-4027-B8FF-0134CF9D6F13}" type="datetimeFigureOut">
               <a:rPr lang="ko-KR" altLang="en-US" smtClean="0"/>
-              <a:t>2023-11-16</a:t>
+              <a:t>2023-11-30</a:t>
             </a:fld>
             <a:endParaRPr lang="ko-KR" altLang="en-US"/>
           </a:p>
@@ -2911,7 +2911,7 @@
           <a:p>
             <a:fld id="{8529C246-2C7F-4027-B8FF-0134CF9D6F13}" type="datetimeFigureOut">
               <a:rPr lang="ko-KR" altLang="en-US" smtClean="0"/>
-              <a:t>2023-11-16</a:t>
+              <a:t>2023-11-30</a:t>
             </a:fld>
             <a:endParaRPr lang="ko-KR" altLang="en-US"/>
           </a:p>
@@ -4183,7 +4183,7 @@
         </p:nvGrpSpPr>
         <p:grpSpPr>
           <a:xfrm>
-            <a:off x="6248400" y="606490"/>
+            <a:off x="8119971" y="255879"/>
             <a:ext cx="3806889" cy="5933960"/>
             <a:chOff x="6248400" y="606490"/>
             <a:chExt cx="3806889" cy="5933960"/>
@@ -4652,7 +4652,7 @@
             <a:lstStyle/>
             <a:p>
               <a:pPr algn="ctr"/>
-              <a:endParaRPr lang="ko-KR" altLang="en-US"/>
+              <a:endParaRPr lang="ko-KR" altLang="en-US" dirty="0"/>
             </a:p>
           </p:txBody>
         </p:sp>
@@ -4871,10 +4871,10 @@
       </p:grpSp>
       <p:grpSp>
         <p:nvGrpSpPr>
-          <p:cNvPr id="20" name="그룹 19">
-            <a:extLst>
-              <a:ext uri="{FF2B5EF4-FFF2-40B4-BE49-F238E27FC236}">
-                <a16:creationId xmlns:a16="http://schemas.microsoft.com/office/drawing/2014/main" id="{E90FDCD2-342D-0D46-AEE3-D55DA83BD136}"/>
+          <p:cNvPr id="2" name="그룹 1">
+            <a:extLst>
+              <a:ext uri="{FF2B5EF4-FFF2-40B4-BE49-F238E27FC236}">
+                <a16:creationId xmlns:a16="http://schemas.microsoft.com/office/drawing/2014/main" id="{24D00367-B5FB-8707-8311-78155208EA6A}"/>
               </a:ext>
             </a:extLst>
           </p:cNvPr>
@@ -4883,185 +4883,7 @@
         </p:nvGrpSpPr>
         <p:grpSpPr>
           <a:xfrm>
-            <a:off x="6683438" y="3368419"/>
-            <a:ext cx="2936812" cy="958385"/>
-            <a:chOff x="6683438" y="3368419"/>
-            <a:chExt cx="2936812" cy="958385"/>
-          </a:xfrm>
-        </p:grpSpPr>
-        <p:sp>
-          <p:nvSpPr>
-            <p:cNvPr id="21" name="사각형: 둥근 모서리 20">
-              <a:extLst>
-                <a:ext uri="{FF2B5EF4-FFF2-40B4-BE49-F238E27FC236}">
-                  <a16:creationId xmlns:a16="http://schemas.microsoft.com/office/drawing/2014/main" id="{B680AC4C-28E5-27F4-1AC8-33C5C596A3FE}"/>
-                </a:ext>
-              </a:extLst>
-            </p:cNvPr>
-            <p:cNvSpPr/>
-            <p:nvPr/>
-          </p:nvSpPr>
-          <p:spPr>
-            <a:xfrm>
-              <a:off x="6683438" y="3368419"/>
-              <a:ext cx="2936812" cy="958385"/>
-            </a:xfrm>
-            <a:prstGeom prst="roundRect">
-              <a:avLst>
-                <a:gd name="adj" fmla="val 40420"/>
-              </a:avLst>
-            </a:prstGeom>
-            <a:solidFill>
-              <a:srgbClr val="FFFFFF"/>
-            </a:solidFill>
-            <a:ln>
-              <a:noFill/>
-            </a:ln>
-          </p:spPr>
-          <p:style>
-            <a:lnRef idx="2">
-              <a:schemeClr val="accent1">
-                <a:shade val="15000"/>
-              </a:schemeClr>
-            </a:lnRef>
-            <a:fillRef idx="1">
-              <a:schemeClr val="accent1"/>
-            </a:fillRef>
-            <a:effectRef idx="0">
-              <a:schemeClr val="accent1"/>
-            </a:effectRef>
-            <a:fontRef idx="minor">
-              <a:schemeClr val="lt1"/>
-            </a:fontRef>
-          </p:style>
-          <p:txBody>
-            <a:bodyPr rtlCol="0" anchor="ctr"/>
-            <a:lstStyle/>
-            <a:p>
-              <a:pPr algn="ctr"/>
-              <a:endParaRPr lang="ko-KR" altLang="en-US"/>
-            </a:p>
-          </p:txBody>
-        </p:sp>
-        <p:sp>
-          <p:nvSpPr>
-            <p:cNvPr id="22" name="사각형: 둥근 모서리 21">
-              <a:extLst>
-                <a:ext uri="{FF2B5EF4-FFF2-40B4-BE49-F238E27FC236}">
-                  <a16:creationId xmlns:a16="http://schemas.microsoft.com/office/drawing/2014/main" id="{EB789EAF-BA44-01C7-77C3-C322084158F7}"/>
-                </a:ext>
-              </a:extLst>
-            </p:cNvPr>
-            <p:cNvSpPr/>
-            <p:nvPr/>
-          </p:nvSpPr>
-          <p:spPr>
-            <a:xfrm>
-              <a:off x="6724638" y="3395922"/>
-              <a:ext cx="2854411" cy="903481"/>
-            </a:xfrm>
-            <a:prstGeom prst="roundRect">
-              <a:avLst>
-                <a:gd name="adj" fmla="val 40420"/>
-              </a:avLst>
-            </a:prstGeom>
-            <a:solidFill>
-              <a:srgbClr val="D32B8A"/>
-            </a:solidFill>
-            <a:ln>
-              <a:noFill/>
-            </a:ln>
-          </p:spPr>
-          <p:style>
-            <a:lnRef idx="2">
-              <a:schemeClr val="accent1">
-                <a:shade val="15000"/>
-              </a:schemeClr>
-            </a:lnRef>
-            <a:fillRef idx="1">
-              <a:schemeClr val="accent1"/>
-            </a:fillRef>
-            <a:effectRef idx="0">
-              <a:schemeClr val="accent1"/>
-            </a:effectRef>
-            <a:fontRef idx="minor">
-              <a:schemeClr val="lt1"/>
-            </a:fontRef>
-          </p:style>
-          <p:txBody>
-            <a:bodyPr rtlCol="0" anchor="ctr"/>
-            <a:lstStyle/>
-            <a:p>
-              <a:pPr algn="ctr"/>
-              <a:endParaRPr lang="ko-KR" altLang="en-US"/>
-            </a:p>
-          </p:txBody>
-        </p:sp>
-        <p:sp>
-          <p:nvSpPr>
-            <p:cNvPr id="23" name="TextBox 22">
-              <a:extLst>
-                <a:ext uri="{FF2B5EF4-FFF2-40B4-BE49-F238E27FC236}">
-                  <a16:creationId xmlns:a16="http://schemas.microsoft.com/office/drawing/2014/main" id="{E3EE8A8C-730D-F775-2E13-00FC063EF24B}"/>
-                </a:ext>
-              </a:extLst>
-            </p:cNvPr>
-            <p:cNvSpPr txBox="1"/>
-            <p:nvPr/>
-          </p:nvSpPr>
-          <p:spPr>
-            <a:xfrm>
-              <a:off x="6956758" y="3452860"/>
-              <a:ext cx="2341984" cy="830997"/>
-            </a:xfrm>
-            <a:prstGeom prst="rect">
-              <a:avLst/>
-            </a:prstGeom>
-            <a:noFill/>
-          </p:spPr>
-          <p:txBody>
-            <a:bodyPr wrap="square" rtlCol="0">
-              <a:spAutoFit/>
-            </a:bodyPr>
-            <a:lstStyle/>
-            <a:p>
-              <a:pPr algn="ctr"/>
-              <a:r>
-                <a:rPr lang="en-US" altLang="ko-KR" sz="4800" dirty="0">
-                  <a:solidFill>
-                    <a:schemeClr val="bg1"/>
-                  </a:solidFill>
-                  <a:latin typeface="Aharoni" panose="02010803020104030203" pitchFamily="2" charset="-79"/>
-                  <a:cs typeface="Aharoni" panose="02010803020104030203" pitchFamily="2" charset="-79"/>
-                </a:rPr>
-                <a:t>EXIT</a:t>
-              </a:r>
-              <a:endParaRPr lang="ko-KR" altLang="en-US" sz="4800" dirty="0">
-                <a:solidFill>
-                  <a:schemeClr val="bg1"/>
-                </a:solidFill>
-                <a:latin typeface="Aharoni" panose="02010803020104030203" pitchFamily="2" charset="-79"/>
-                <a:cs typeface="Aharoni" panose="02010803020104030203" pitchFamily="2" charset="-79"/>
-              </a:endParaRPr>
-            </a:p>
-          </p:txBody>
-        </p:sp>
-      </p:grpSp>
-      <p:grpSp>
-        <p:nvGrpSpPr>
-          <p:cNvPr id="2" name="그룹 1">
-            <a:extLst>
-              <a:ext uri="{FF2B5EF4-FFF2-40B4-BE49-F238E27FC236}">
-                <a16:creationId xmlns:a16="http://schemas.microsoft.com/office/drawing/2014/main" id="{24D00367-B5FB-8707-8311-78155208EA6A}"/>
-              </a:ext>
-            </a:extLst>
-          </p:cNvPr>
-          <p:cNvGrpSpPr/>
-          <p:nvPr/>
-        </p:nvGrpSpPr>
-        <p:grpSpPr>
-          <a:xfrm>
-            <a:off x="2022755" y="2691878"/>
+            <a:off x="1485812" y="446763"/>
             <a:ext cx="7307999" cy="958385"/>
             <a:chOff x="6683438" y="2122141"/>
             <a:chExt cx="2881924" cy="958385"/>
@@ -5223,6 +5045,295 @@
             </a:p>
           </p:txBody>
         </p:sp>
+      </p:grpSp>
+      <p:pic>
+        <p:nvPicPr>
+          <p:cNvPr id="27" name="그림 26" descr="그래픽, 마젠타, 폰트, 로고이(가) 표시된 사진&#10;&#10;자동 생성된 설명">
+            <a:extLst>
+              <a:ext uri="{FF2B5EF4-FFF2-40B4-BE49-F238E27FC236}">
+                <a16:creationId xmlns:a16="http://schemas.microsoft.com/office/drawing/2014/main" id="{A103AF9C-AFD7-82F0-4DA5-2ED9915DEBC6}"/>
+              </a:ext>
+            </a:extLst>
+          </p:cNvPr>
+          <p:cNvPicPr>
+            <a:picLocks noChangeAspect="1"/>
+          </p:cNvPicPr>
+          <p:nvPr/>
+        </p:nvPicPr>
+        <p:blipFill>
+          <a:blip r:embed="rId6">
+            <a:extLst>
+              <a:ext uri="{28A0092B-C50C-407E-A947-70E740481C1C}">
+                <a14:useLocalDpi xmlns:a14="http://schemas.microsoft.com/office/drawing/2010/main" val="0"/>
+              </a:ext>
+            </a:extLst>
+          </a:blip>
+          <a:stretch>
+            <a:fillRect/>
+          </a:stretch>
+        </p:blipFill>
+        <p:spPr>
+          <a:xfrm>
+            <a:off x="6590863" y="2260966"/>
+            <a:ext cx="1841595" cy="927148"/>
+          </a:xfrm>
+          <a:prstGeom prst="rect">
+            <a:avLst/>
+          </a:prstGeom>
+        </p:spPr>
+      </p:pic>
+      <p:grpSp>
+        <p:nvGrpSpPr>
+          <p:cNvPr id="31" name="그룹 30">
+            <a:extLst>
+              <a:ext uri="{FF2B5EF4-FFF2-40B4-BE49-F238E27FC236}">
+                <a16:creationId xmlns:a16="http://schemas.microsoft.com/office/drawing/2014/main" id="{29A36714-0A1C-AFB1-53FD-4DD409C86913}"/>
+              </a:ext>
+            </a:extLst>
+          </p:cNvPr>
+          <p:cNvGrpSpPr/>
+          <p:nvPr/>
+        </p:nvGrpSpPr>
+        <p:grpSpPr>
+          <a:xfrm>
+            <a:off x="6316920" y="4599022"/>
+            <a:ext cx="3226388" cy="1135911"/>
+            <a:chOff x="6316920" y="4599022"/>
+            <a:chExt cx="3226388" cy="1135911"/>
+          </a:xfrm>
+        </p:grpSpPr>
+        <p:sp>
+          <p:nvSpPr>
+            <p:cNvPr id="30" name="직사각형 29">
+              <a:extLst>
+                <a:ext uri="{FF2B5EF4-FFF2-40B4-BE49-F238E27FC236}">
+                  <a16:creationId xmlns:a16="http://schemas.microsoft.com/office/drawing/2014/main" id="{961A85AB-B079-4957-C3B9-9D8757559D81}"/>
+                </a:ext>
+              </a:extLst>
+            </p:cNvPr>
+            <p:cNvSpPr/>
+            <p:nvPr/>
+          </p:nvSpPr>
+          <p:spPr>
+            <a:xfrm>
+              <a:off x="6316920" y="4599022"/>
+              <a:ext cx="3226388" cy="1135911"/>
+            </a:xfrm>
+            <a:prstGeom prst="rect">
+              <a:avLst/>
+            </a:prstGeom>
+            <a:solidFill>
+              <a:srgbClr val="FF00FF"/>
+            </a:solidFill>
+            <a:ln>
+              <a:noFill/>
+            </a:ln>
+          </p:spPr>
+          <p:style>
+            <a:lnRef idx="2">
+              <a:schemeClr val="accent1">
+                <a:shade val="15000"/>
+              </a:schemeClr>
+            </a:lnRef>
+            <a:fillRef idx="1">
+              <a:schemeClr val="accent1"/>
+            </a:fillRef>
+            <a:effectRef idx="0">
+              <a:schemeClr val="accent1"/>
+            </a:effectRef>
+            <a:fontRef idx="minor">
+              <a:schemeClr val="lt1"/>
+            </a:fontRef>
+          </p:style>
+          <p:txBody>
+            <a:bodyPr rtlCol="0" anchor="ctr"/>
+            <a:lstStyle/>
+            <a:p>
+              <a:pPr algn="ctr"/>
+              <a:endParaRPr lang="ko-KR" altLang="en-US" dirty="0">
+                <a:noFill/>
+              </a:endParaRPr>
+            </a:p>
+          </p:txBody>
+        </p:sp>
+        <p:grpSp>
+          <p:nvGrpSpPr>
+            <p:cNvPr id="20" name="그룹 19">
+              <a:extLst>
+                <a:ext uri="{FF2B5EF4-FFF2-40B4-BE49-F238E27FC236}">
+                  <a16:creationId xmlns:a16="http://schemas.microsoft.com/office/drawing/2014/main" id="{E90FDCD2-342D-0D46-AEE3-D55DA83BD136}"/>
+                </a:ext>
+              </a:extLst>
+            </p:cNvPr>
+            <p:cNvGrpSpPr/>
+            <p:nvPr/>
+          </p:nvGrpSpPr>
+          <p:grpSpPr>
+            <a:xfrm>
+              <a:off x="6475760" y="4672860"/>
+              <a:ext cx="2936812" cy="958385"/>
+              <a:chOff x="6683438" y="3368419"/>
+              <a:chExt cx="2936812" cy="958385"/>
+            </a:xfrm>
+          </p:grpSpPr>
+          <p:sp>
+            <p:nvSpPr>
+              <p:cNvPr id="21" name="사각형: 둥근 모서리 20">
+                <a:extLst>
+                  <a:ext uri="{FF2B5EF4-FFF2-40B4-BE49-F238E27FC236}">
+                    <a16:creationId xmlns:a16="http://schemas.microsoft.com/office/drawing/2014/main" id="{B680AC4C-28E5-27F4-1AC8-33C5C596A3FE}"/>
+                  </a:ext>
+                </a:extLst>
+              </p:cNvPr>
+              <p:cNvSpPr/>
+              <p:nvPr/>
+            </p:nvSpPr>
+            <p:spPr>
+              <a:xfrm>
+                <a:off x="6683438" y="3368419"/>
+                <a:ext cx="2936812" cy="958385"/>
+              </a:xfrm>
+              <a:prstGeom prst="roundRect">
+                <a:avLst>
+                  <a:gd name="adj" fmla="val 40420"/>
+                </a:avLst>
+              </a:prstGeom>
+              <a:solidFill>
+                <a:srgbClr val="FFFFFF"/>
+              </a:solidFill>
+              <a:ln>
+                <a:noFill/>
+              </a:ln>
+            </p:spPr>
+            <p:style>
+              <a:lnRef idx="2">
+                <a:schemeClr val="accent1">
+                  <a:shade val="15000"/>
+                </a:schemeClr>
+              </a:lnRef>
+              <a:fillRef idx="1">
+                <a:schemeClr val="accent1"/>
+              </a:fillRef>
+              <a:effectRef idx="0">
+                <a:schemeClr val="accent1"/>
+              </a:effectRef>
+              <a:fontRef idx="minor">
+                <a:schemeClr val="lt1"/>
+              </a:fontRef>
+            </p:style>
+            <p:txBody>
+              <a:bodyPr rtlCol="0" anchor="ctr"/>
+              <a:lstStyle/>
+              <a:p>
+                <a:pPr algn="ctr"/>
+                <a:endParaRPr lang="ko-KR" altLang="en-US"/>
+              </a:p>
+            </p:txBody>
+          </p:sp>
+          <p:sp>
+            <p:nvSpPr>
+              <p:cNvPr id="22" name="사각형: 둥근 모서리 21">
+                <a:extLst>
+                  <a:ext uri="{FF2B5EF4-FFF2-40B4-BE49-F238E27FC236}">
+                    <a16:creationId xmlns:a16="http://schemas.microsoft.com/office/drawing/2014/main" id="{EB789EAF-BA44-01C7-77C3-C322084158F7}"/>
+                  </a:ext>
+                </a:extLst>
+              </p:cNvPr>
+              <p:cNvSpPr/>
+              <p:nvPr/>
+            </p:nvSpPr>
+            <p:spPr>
+              <a:xfrm>
+                <a:off x="6724638" y="3395922"/>
+                <a:ext cx="2854411" cy="903481"/>
+              </a:xfrm>
+              <a:prstGeom prst="roundRect">
+                <a:avLst>
+                  <a:gd name="adj" fmla="val 40420"/>
+                </a:avLst>
+              </a:prstGeom>
+              <a:solidFill>
+                <a:srgbClr val="D32B8A"/>
+              </a:solidFill>
+              <a:ln>
+                <a:noFill/>
+              </a:ln>
+            </p:spPr>
+            <p:style>
+              <a:lnRef idx="2">
+                <a:schemeClr val="accent1">
+                  <a:shade val="15000"/>
+                </a:schemeClr>
+              </a:lnRef>
+              <a:fillRef idx="1">
+                <a:schemeClr val="accent1"/>
+              </a:fillRef>
+              <a:effectRef idx="0">
+                <a:schemeClr val="accent1"/>
+              </a:effectRef>
+              <a:fontRef idx="minor">
+                <a:schemeClr val="lt1"/>
+              </a:fontRef>
+            </p:style>
+            <p:txBody>
+              <a:bodyPr rtlCol="0" anchor="ctr"/>
+              <a:lstStyle/>
+              <a:p>
+                <a:pPr algn="ctr"/>
+                <a:endParaRPr lang="ko-KR" altLang="en-US" dirty="0"/>
+              </a:p>
+            </p:txBody>
+          </p:sp>
+          <p:sp>
+            <p:nvSpPr>
+              <p:cNvPr id="23" name="TextBox 22">
+                <a:extLst>
+                  <a:ext uri="{FF2B5EF4-FFF2-40B4-BE49-F238E27FC236}">
+                    <a16:creationId xmlns:a16="http://schemas.microsoft.com/office/drawing/2014/main" id="{E3EE8A8C-730D-F775-2E13-00FC063EF24B}"/>
+                  </a:ext>
+                </a:extLst>
+              </p:cNvPr>
+              <p:cNvSpPr txBox="1"/>
+              <p:nvPr/>
+            </p:nvSpPr>
+            <p:spPr>
+              <a:xfrm>
+                <a:off x="6956758" y="3452860"/>
+                <a:ext cx="2341984" cy="830997"/>
+              </a:xfrm>
+              <a:prstGeom prst="rect">
+                <a:avLst/>
+              </a:prstGeom>
+              <a:noFill/>
+            </p:spPr>
+            <p:txBody>
+              <a:bodyPr wrap="square" rtlCol="0">
+                <a:spAutoFit/>
+              </a:bodyPr>
+              <a:lstStyle/>
+              <a:p>
+                <a:pPr algn="ctr"/>
+                <a:r>
+                  <a:rPr lang="en-US" altLang="ko-KR" sz="4800" dirty="0">
+                    <a:solidFill>
+                      <a:schemeClr val="bg1"/>
+                    </a:solidFill>
+                    <a:latin typeface="Aharoni" panose="02010803020104030203" pitchFamily="2" charset="-79"/>
+                    <a:cs typeface="Aharoni" panose="02010803020104030203" pitchFamily="2" charset="-79"/>
+                  </a:rPr>
+                  <a:t>ROBBY</a:t>
+                </a:r>
+                <a:endParaRPr lang="ko-KR" altLang="en-US" sz="4800" dirty="0">
+                  <a:solidFill>
+                    <a:schemeClr val="bg1"/>
+                  </a:solidFill>
+                  <a:latin typeface="Aharoni" panose="02010803020104030203" pitchFamily="2" charset="-79"/>
+                  <a:cs typeface="Aharoni" panose="02010803020104030203" pitchFamily="2" charset="-79"/>
+                </a:endParaRPr>
+              </a:p>
+            </p:txBody>
+          </p:sp>
+        </p:grpSp>
       </p:grpSp>
     </p:spTree>
     <p:extLst>

--- a/resource/메뉴제작.pptx
+++ b/resource/메뉴제작.pptx
@@ -261,7 +261,7 @@
           <a:p>
             <a:fld id="{8529C246-2C7F-4027-B8FF-0134CF9D6F13}" type="datetimeFigureOut">
               <a:rPr lang="ko-KR" altLang="en-US" smtClean="0"/>
-              <a:t>2023-11-30</a:t>
+              <a:t>2023-12-05</a:t>
             </a:fld>
             <a:endParaRPr lang="ko-KR" altLang="en-US"/>
           </a:p>
@@ -459,7 +459,7 @@
           <a:p>
             <a:fld id="{8529C246-2C7F-4027-B8FF-0134CF9D6F13}" type="datetimeFigureOut">
               <a:rPr lang="ko-KR" altLang="en-US" smtClean="0"/>
-              <a:t>2023-11-30</a:t>
+              <a:t>2023-12-05</a:t>
             </a:fld>
             <a:endParaRPr lang="ko-KR" altLang="en-US"/>
           </a:p>
@@ -667,7 +667,7 @@
           <a:p>
             <a:fld id="{8529C246-2C7F-4027-B8FF-0134CF9D6F13}" type="datetimeFigureOut">
               <a:rPr lang="ko-KR" altLang="en-US" smtClean="0"/>
-              <a:t>2023-11-30</a:t>
+              <a:t>2023-12-05</a:t>
             </a:fld>
             <a:endParaRPr lang="ko-KR" altLang="en-US"/>
           </a:p>
@@ -865,7 +865,7 @@
           <a:p>
             <a:fld id="{8529C246-2C7F-4027-B8FF-0134CF9D6F13}" type="datetimeFigureOut">
               <a:rPr lang="ko-KR" altLang="en-US" smtClean="0"/>
-              <a:t>2023-11-30</a:t>
+              <a:t>2023-12-05</a:t>
             </a:fld>
             <a:endParaRPr lang="ko-KR" altLang="en-US"/>
           </a:p>
@@ -1140,7 +1140,7 @@
           <a:p>
             <a:fld id="{8529C246-2C7F-4027-B8FF-0134CF9D6F13}" type="datetimeFigureOut">
               <a:rPr lang="ko-KR" altLang="en-US" smtClean="0"/>
-              <a:t>2023-11-30</a:t>
+              <a:t>2023-12-05</a:t>
             </a:fld>
             <a:endParaRPr lang="ko-KR" altLang="en-US"/>
           </a:p>
@@ -1405,7 +1405,7 @@
           <a:p>
             <a:fld id="{8529C246-2C7F-4027-B8FF-0134CF9D6F13}" type="datetimeFigureOut">
               <a:rPr lang="ko-KR" altLang="en-US" smtClean="0"/>
-              <a:t>2023-11-30</a:t>
+              <a:t>2023-12-05</a:t>
             </a:fld>
             <a:endParaRPr lang="ko-KR" altLang="en-US"/>
           </a:p>
@@ -1817,7 +1817,7 @@
           <a:p>
             <a:fld id="{8529C246-2C7F-4027-B8FF-0134CF9D6F13}" type="datetimeFigureOut">
               <a:rPr lang="ko-KR" altLang="en-US" smtClean="0"/>
-              <a:t>2023-11-30</a:t>
+              <a:t>2023-12-05</a:t>
             </a:fld>
             <a:endParaRPr lang="ko-KR" altLang="en-US"/>
           </a:p>
@@ -1958,7 +1958,7 @@
           <a:p>
             <a:fld id="{8529C246-2C7F-4027-B8FF-0134CF9D6F13}" type="datetimeFigureOut">
               <a:rPr lang="ko-KR" altLang="en-US" smtClean="0"/>
-              <a:t>2023-11-30</a:t>
+              <a:t>2023-12-05</a:t>
             </a:fld>
             <a:endParaRPr lang="ko-KR" altLang="en-US"/>
           </a:p>
@@ -2071,7 +2071,7 @@
           <a:p>
             <a:fld id="{8529C246-2C7F-4027-B8FF-0134CF9D6F13}" type="datetimeFigureOut">
               <a:rPr lang="ko-KR" altLang="en-US" smtClean="0"/>
-              <a:t>2023-11-30</a:t>
+              <a:t>2023-12-05</a:t>
             </a:fld>
             <a:endParaRPr lang="ko-KR" altLang="en-US"/>
           </a:p>
@@ -2382,7 +2382,7 @@
           <a:p>
             <a:fld id="{8529C246-2C7F-4027-B8FF-0134CF9D6F13}" type="datetimeFigureOut">
               <a:rPr lang="ko-KR" altLang="en-US" smtClean="0"/>
-              <a:t>2023-11-30</a:t>
+              <a:t>2023-12-05</a:t>
             </a:fld>
             <a:endParaRPr lang="ko-KR" altLang="en-US"/>
           </a:p>
@@ -2670,7 +2670,7 @@
           <a:p>
             <a:fld id="{8529C246-2C7F-4027-B8FF-0134CF9D6F13}" type="datetimeFigureOut">
               <a:rPr lang="ko-KR" altLang="en-US" smtClean="0"/>
-              <a:t>2023-11-30</a:t>
+              <a:t>2023-12-05</a:t>
             </a:fld>
             <a:endParaRPr lang="ko-KR" altLang="en-US"/>
           </a:p>
@@ -2911,7 +2911,7 @@
           <a:p>
             <a:fld id="{8529C246-2C7F-4027-B8FF-0134CF9D6F13}" type="datetimeFigureOut">
               <a:rPr lang="ko-KR" altLang="en-US" smtClean="0"/>
-              <a:t>2023-11-30</a:t>
+              <a:t>2023-12-05</a:t>
             </a:fld>
             <a:endParaRPr lang="ko-KR" altLang="en-US"/>
           </a:p>
@@ -6320,6 +6320,36 @@
           </p:txBody>
         </p:sp>
       </p:grpSp>
+      <p:pic>
+        <p:nvPicPr>
+          <p:cNvPr id="2" name="그림 1">
+            <a:extLst>
+              <a:ext uri="{FF2B5EF4-FFF2-40B4-BE49-F238E27FC236}">
+                <a16:creationId xmlns:a16="http://schemas.microsoft.com/office/drawing/2014/main" id="{908FEF3E-59DC-458A-5B71-4AE7F39133BD}"/>
+              </a:ext>
+            </a:extLst>
+          </p:cNvPr>
+          <p:cNvPicPr>
+            <a:picLocks noChangeAspect="1"/>
+          </p:cNvPicPr>
+          <p:nvPr/>
+        </p:nvPicPr>
+        <p:blipFill>
+          <a:blip r:embed="rId4"/>
+          <a:stretch>
+            <a:fillRect/>
+          </a:stretch>
+        </p:blipFill>
+        <p:spPr>
+          <a:xfrm>
+            <a:off x="5027278" y="1409470"/>
+            <a:ext cx="4686954" cy="1114581"/>
+          </a:xfrm>
+          <a:prstGeom prst="rect">
+            <a:avLst/>
+          </a:prstGeom>
+        </p:spPr>
+      </p:pic>
     </p:spTree>
     <p:extLst>
       <p:ext uri="{BB962C8B-B14F-4D97-AF65-F5344CB8AC3E}">
